--- a/SOF2-Theory-1-Algorithms.pptx
+++ b/SOF2-Theory-1-Algorithms.pptx
@@ -1,6 +1,6 @@
 
 <file path=ppt/presentation.xml><?xml version="1.0" encoding="utf-8"?>
-<p:presentation xmlns:a="http://schemas.openxmlformats.org/drawingml/2006/main" xmlns:r="http://schemas.openxmlformats.org/officeDocument/2006/relationships" xmlns:p="http://schemas.openxmlformats.org/presentationml/2006/main" showSpecialPlsOnTitleSld="0" saveSubsetFonts="1" autoCompressPictures="0">
+<p:presentation xmlns:a="http://schemas.openxmlformats.org/drawingml/2006/main" xmlns:r="http://schemas.openxmlformats.org/officeDocument/2006/relationships" xmlns:p="http://schemas.openxmlformats.org/presentationml/2006/main" showSpecialPlsOnTitleSld="0" removePersonalInfoOnSave="1" saveSubsetFonts="1" autoCompressPictures="0">
   <p:sldMasterIdLst>
     <p:sldMasterId id="2147483648" r:id="rId1"/>
   </p:sldMasterIdLst>
@@ -251,7 +251,7 @@
           <a:p>
             <a:fld id="{00764039-9679-7846-8D8C-9A6D2646E37A}" type="datetimeFigureOut">
               <a:rPr lang="en-US" smtClean="0"/>
-              <a:t>1/6/2022</a:t>
+              <a:t>3/26/2024</a:t>
             </a:fld>
             <a:endParaRPr lang="en-US"/>
           </a:p>
@@ -2729,8 +2729,8 @@
             <a:chExt cx="6648450" cy="3000099"/>
           </a:xfrm>
         </p:grpSpPr>
-        <mc:AlternateContent xmlns:mc="http://schemas.openxmlformats.org/markup-compatibility/2006">
-          <mc:Choice xmlns:a14="http://schemas.microsoft.com/office/drawing/2010/main" Requires="a14">
+        <mc:AlternateContent xmlns:mc="http://schemas.openxmlformats.org/markup-compatibility/2006" xmlns:a14="http://schemas.microsoft.com/office/drawing/2010/main">
+          <mc:Choice Requires="a14">
             <p:sp>
               <p:nvSpPr>
                 <p:cNvPr id="9" name="TextBox 8">
@@ -3274,7 +3274,7 @@
               </p:txBody>
             </p:sp>
           </mc:Choice>
-          <mc:Fallback>
+          <mc:Fallback xmlns="">
             <p:sp>
               <p:nvSpPr>
                 <p:cNvPr id="9" name="TextBox 8">
@@ -3472,8 +3472,8 @@
           </a:p>
         </p:txBody>
       </p:sp>
-      <mc:AlternateContent xmlns:mc="http://schemas.openxmlformats.org/markup-compatibility/2006">
-        <mc:Choice xmlns:a14="http://schemas.microsoft.com/office/drawing/2010/main" Requires="a14">
+      <mc:AlternateContent xmlns:mc="http://schemas.openxmlformats.org/markup-compatibility/2006" xmlns:a14="http://schemas.microsoft.com/office/drawing/2010/main">
+        <mc:Choice Requires="a14">
           <p:sp>
             <p:nvSpPr>
               <p:cNvPr id="4" name="Text Placeholder 3">
@@ -3662,7 +3662,7 @@
             </p:txBody>
           </p:sp>
         </mc:Choice>
-        <mc:Fallback>
+        <mc:Fallback xmlns="">
           <p:sp>
             <p:nvSpPr>
               <p:cNvPr id="4" name="Text Placeholder 3">
@@ -3726,8 +3726,8 @@
             <a:chExt cx="6866288" cy="2754926"/>
           </a:xfrm>
         </p:grpSpPr>
-        <mc:AlternateContent xmlns:mc="http://schemas.openxmlformats.org/markup-compatibility/2006">
-          <mc:Choice xmlns:a14="http://schemas.microsoft.com/office/drawing/2010/main" Requires="a14">
+        <mc:AlternateContent xmlns:mc="http://schemas.openxmlformats.org/markup-compatibility/2006" xmlns:a14="http://schemas.microsoft.com/office/drawing/2010/main">
+          <mc:Choice Requires="a14">
             <p:sp>
               <p:nvSpPr>
                 <p:cNvPr id="9" name="TextBox 8">
@@ -4525,7 +4525,7 @@
               </p:txBody>
             </p:sp>
           </mc:Choice>
-          <mc:Fallback>
+          <mc:Fallback xmlns="">
             <p:sp>
               <p:nvSpPr>
                 <p:cNvPr id="9" name="TextBox 8">
@@ -7873,8 +7873,8 @@
             <a:chExt cx="6648450" cy="3319306"/>
           </a:xfrm>
         </p:grpSpPr>
-        <mc:AlternateContent xmlns:mc="http://schemas.openxmlformats.org/markup-compatibility/2006">
-          <mc:Choice xmlns:a14="http://schemas.microsoft.com/office/drawing/2010/main" Requires="a14">
+        <mc:AlternateContent xmlns:mc="http://schemas.openxmlformats.org/markup-compatibility/2006" xmlns:a14="http://schemas.microsoft.com/office/drawing/2010/main">
+          <mc:Choice Requires="a14">
             <p:sp>
               <p:nvSpPr>
                 <p:cNvPr id="6" name="TextBox 5">
@@ -8133,7 +8133,7 @@
               </p:txBody>
             </p:sp>
           </mc:Choice>
-          <mc:Fallback>
+          <mc:Fallback xmlns="">
             <p:sp>
               <p:nvSpPr>
                 <p:cNvPr id="6" name="TextBox 5">
@@ -8379,8 +8379,8 @@
             <a:chExt cx="6648450" cy="3000099"/>
           </a:xfrm>
         </p:grpSpPr>
-        <mc:AlternateContent xmlns:mc="http://schemas.openxmlformats.org/markup-compatibility/2006">
-          <mc:Choice xmlns:a14="http://schemas.microsoft.com/office/drawing/2010/main" Requires="a14">
+        <mc:AlternateContent xmlns:mc="http://schemas.openxmlformats.org/markup-compatibility/2006" xmlns:a14="http://schemas.microsoft.com/office/drawing/2010/main">
+          <mc:Choice Requires="a14">
             <p:sp>
               <p:nvSpPr>
                 <p:cNvPr id="9" name="TextBox 8">
@@ -8930,7 +8930,7 @@
               </p:txBody>
             </p:sp>
           </mc:Choice>
-          <mc:Fallback>
+          <mc:Fallback xmlns="">
             <p:sp>
               <p:nvSpPr>
                 <p:cNvPr id="9" name="TextBox 8">
